--- a/OT.VVAExport/Examples/Inputs/VVASample.pptx
+++ b/OT.VVAExport/Examples/Inputs/VVASample.pptx
@@ -6,6 +6,7 @@
   </p:sldMasterIdLst>
   <p:sldIdLst>
     <p:sldId id="256" r:id="rId2"/>
+    <p:sldId id="257" r:id="rId3"/>
   </p:sldIdLst>
   <p:sldSz cx="7772400" cy="4572000"/>
   <p:notesSz cx="6858000" cy="9144000"/>
@@ -791,7 +792,7 @@
           <a:p>
             <a:fld id="{C764DE79-268F-4C1A-8933-263129D2AF90}" type="datetimeFigureOut">
               <a:rPr lang="en-US" dirty="0"/>
-              <a:t>3/7/2022</a:t>
+              <a:t>3/9/2022</a:t>
             </a:fld>
             <a:endParaRPr lang="en-US" dirty="0"/>
           </a:p>
@@ -959,7 +960,7 @@
           <a:p>
             <a:fld id="{C764DE79-268F-4C1A-8933-263129D2AF90}" type="datetimeFigureOut">
               <a:rPr lang="en-US" dirty="0"/>
-              <a:t>3/7/2022</a:t>
+              <a:t>3/9/2022</a:t>
             </a:fld>
             <a:endParaRPr lang="en-US" dirty="0"/>
           </a:p>
@@ -1137,7 +1138,7 @@
           <a:p>
             <a:fld id="{C764DE79-268F-4C1A-8933-263129D2AF90}" type="datetimeFigureOut">
               <a:rPr lang="en-US" dirty="0"/>
-              <a:t>3/7/2022</a:t>
+              <a:t>3/9/2022</a:t>
             </a:fld>
             <a:endParaRPr lang="en-US" dirty="0"/>
           </a:p>
@@ -1305,7 +1306,7 @@
           <a:p>
             <a:fld id="{C764DE79-268F-4C1A-8933-263129D2AF90}" type="datetimeFigureOut">
               <a:rPr lang="en-US" dirty="0"/>
-              <a:t>3/7/2022</a:t>
+              <a:t>3/9/2022</a:t>
             </a:fld>
             <a:endParaRPr lang="en-US" dirty="0"/>
           </a:p>
@@ -1550,7 +1551,7 @@
           <a:p>
             <a:fld id="{C764DE79-268F-4C1A-8933-263129D2AF90}" type="datetimeFigureOut">
               <a:rPr lang="en-US" dirty="0"/>
-              <a:t>3/7/2022</a:t>
+              <a:t>3/9/2022</a:t>
             </a:fld>
             <a:endParaRPr lang="en-US" dirty="0"/>
           </a:p>
@@ -1779,7 +1780,7 @@
           <a:p>
             <a:fld id="{C764DE79-268F-4C1A-8933-263129D2AF90}" type="datetimeFigureOut">
               <a:rPr lang="en-US" dirty="0"/>
-              <a:t>3/7/2022</a:t>
+              <a:t>3/9/2022</a:t>
             </a:fld>
             <a:endParaRPr lang="en-US" dirty="0"/>
           </a:p>
@@ -2143,7 +2144,7 @@
           <a:p>
             <a:fld id="{C764DE79-268F-4C1A-8933-263129D2AF90}" type="datetimeFigureOut">
               <a:rPr lang="en-US" dirty="0"/>
-              <a:t>3/7/2022</a:t>
+              <a:t>3/9/2022</a:t>
             </a:fld>
             <a:endParaRPr lang="en-US" dirty="0"/>
           </a:p>
@@ -2260,7 +2261,7 @@
           <a:p>
             <a:fld id="{C764DE79-268F-4C1A-8933-263129D2AF90}" type="datetimeFigureOut">
               <a:rPr lang="en-US" dirty="0"/>
-              <a:t>3/7/2022</a:t>
+              <a:t>3/9/2022</a:t>
             </a:fld>
             <a:endParaRPr lang="en-US" dirty="0"/>
           </a:p>
@@ -2355,7 +2356,7 @@
           <a:p>
             <a:fld id="{C764DE79-268F-4C1A-8933-263129D2AF90}" type="datetimeFigureOut">
               <a:rPr lang="en-US" dirty="0"/>
-              <a:t>3/7/2022</a:t>
+              <a:t>3/9/2022</a:t>
             </a:fld>
             <a:endParaRPr lang="en-US" dirty="0"/>
           </a:p>
@@ -2630,7 +2631,7 @@
           <a:p>
             <a:fld id="{C764DE79-268F-4C1A-8933-263129D2AF90}" type="datetimeFigureOut">
               <a:rPr lang="en-US" dirty="0"/>
-              <a:t>3/7/2022</a:t>
+              <a:t>3/9/2022</a:t>
             </a:fld>
             <a:endParaRPr lang="en-US" dirty="0"/>
           </a:p>
@@ -2882,7 +2883,7 @@
           <a:p>
             <a:fld id="{C764DE79-268F-4C1A-8933-263129D2AF90}" type="datetimeFigureOut">
               <a:rPr lang="en-US" dirty="0"/>
-              <a:t>3/7/2022</a:t>
+              <a:t>3/9/2022</a:t>
             </a:fld>
             <a:endParaRPr lang="en-US" dirty="0"/>
           </a:p>
@@ -3093,7 +3094,7 @@
           <a:p>
             <a:fld id="{C764DE79-268F-4C1A-8933-263129D2AF90}" type="datetimeFigureOut">
               <a:rPr lang="en-US" dirty="0"/>
-              <a:t>3/7/2022</a:t>
+              <a:t>3/9/2022</a:t>
             </a:fld>
             <a:endParaRPr lang="en-US" dirty="0"/>
           </a:p>
@@ -3506,76 +3507,356 @@
           <a:chExt cx="0" cy="0"/>
         </a:xfrm>
       </p:grpSpPr>
-      <p:pic>
-        <p:nvPicPr>
-          <p:cNvPr id="2" name="63_AB_Dolly_Pike_to_a_Knee_Tuck-03020-08410-07727-00397">
-            <a:hlinkClick r:id="" action="ppaction://media"/>
-          </p:cNvPr>
-          <p:cNvPicPr>
-            <a:picLocks noChangeAspect="1"/>
-          </p:cNvPicPr>
-          <p:nvPr>
-            <a:videoFile r:link="rId1"/>
-            <p:extLst>
-              <p:ext uri="{DAA4B4D4-6D71-4841-9C94-3DE7FCFB9230}">
-                <p14:media xmlns:p14="http://schemas.microsoft.com/office/powerpoint/2010/main" r:embed="rId2">
-                  <p14:trim end="15000"/>
-                </p14:media>
-              </p:ext>
-            </p:extLst>
-          </p:nvPr>
-        </p:nvPicPr>
-        <p:blipFill>
-          <a:blip r:embed="rId4"/>
-          <a:stretch>
-            <a:fillRect/>
-          </a:stretch>
-        </p:blipFill>
-        <p:spPr>
+      <p:grpSp>
+        <p:nvGrpSpPr>
+          <p:cNvPr id="3" name="BlockInfo"/>
+          <p:cNvGrpSpPr/>
+          <p:nvPr/>
+        </p:nvGrpSpPr>
+        <p:grpSpPr>
           <a:xfrm>
-            <a:off x="74330" y="482445"/>
-            <a:ext cx="1705384" cy="1705384"/>
+            <a:off x="0" y="0"/>
+            <a:ext cx="7772098" cy="461665"/>
+            <a:chOff x="0" y="0"/>
+            <a:chExt cx="7772098" cy="461665"/>
           </a:xfrm>
-          <a:prstGeom prst="rect">
-            <a:avLst/>
-          </a:prstGeom>
-        </p:spPr>
-      </p:pic>
-      <p:pic>
-        <p:nvPicPr>
-          <p:cNvPr id="6" name="63_AB_Dolly_Pike_to_a_Knee_Tuck-03020-08410-07727-00397">
-            <a:hlinkClick r:id="" action="ppaction://media"/>
-          </p:cNvPr>
-          <p:cNvPicPr>
-            <a:picLocks noChangeAspect="1"/>
-          </p:cNvPicPr>
-          <p:nvPr>
-            <a:videoFile r:link="rId1"/>
-            <p:extLst>
-              <p:ext uri="{DAA4B4D4-6D71-4841-9C94-3DE7FCFB9230}">
-                <p14:media xmlns:p14="http://schemas.microsoft.com/office/powerpoint/2010/main" r:embed="rId2">
-                  <p14:trim end="15000"/>
-                </p14:media>
-              </p:ext>
-            </p:extLst>
-          </p:nvPr>
-        </p:nvPicPr>
-        <p:blipFill>
-          <a:blip r:embed="rId4"/>
-          <a:stretch>
-            <a:fillRect/>
-          </a:stretch>
-        </p:blipFill>
-        <p:spPr>
+        </p:grpSpPr>
+        <p:sp>
+          <p:nvSpPr>
+            <p:cNvPr id="4" name="TopWhiteRec">
+              <a:extLst>
+                <a:ext uri="{FF2B5EF4-FFF2-40B4-BE49-F238E27FC236}">
+                  <a16:creationId xmlns:a16="http://schemas.microsoft.com/office/drawing/2014/main" id="{63C19952-6783-4C90-83E0-33389700A76E}"/>
+                </a:ext>
+              </a:extLst>
+            </p:cNvPr>
+            <p:cNvSpPr/>
+            <p:nvPr/>
+          </p:nvSpPr>
+          <p:spPr>
+            <a:xfrm>
+              <a:off x="0" y="0"/>
+              <a:ext cx="7772098" cy="389088"/>
+            </a:xfrm>
+            <a:prstGeom prst="rect">
+              <a:avLst/>
+            </a:prstGeom>
+            <a:solidFill>
+              <a:schemeClr val="bg1"/>
+            </a:solidFill>
+            <a:ln>
+              <a:noFill/>
+            </a:ln>
+          </p:spPr>
+          <p:style>
+            <a:lnRef idx="2">
+              <a:schemeClr val="accent1">
+                <a:shade val="50000"/>
+              </a:schemeClr>
+            </a:lnRef>
+            <a:fillRef idx="1">
+              <a:schemeClr val="accent1"/>
+            </a:fillRef>
+            <a:effectRef idx="0">
+              <a:schemeClr val="accent1"/>
+            </a:effectRef>
+            <a:fontRef idx="minor">
+              <a:schemeClr val="lt1"/>
+            </a:fontRef>
+          </p:style>
+          <p:txBody>
+            <a:bodyPr rot="0" spcFirstLastPara="0" vertOverflow="overflow" horzOverflow="overflow" vert="horz" wrap="square" lIns="91440" tIns="45720" rIns="91440" bIns="45720" numCol="1" spcCol="0" rtlCol="0" fromWordArt="0" anchor="t" anchorCtr="0" forceAA="0" compatLnSpc="1">
+              <a:prstTxWarp prst="textNoShape">
+                <a:avLst/>
+              </a:prstTxWarp>
+              <a:noAutofit/>
+            </a:bodyPr>
+            <a:lstStyle/>
+            <a:p>
+              <a:pPr algn="ctr"/>
+              <a:endParaRPr lang="en-US"/>
+            </a:p>
+          </p:txBody>
+        </p:sp>
+        <p:pic>
+          <p:nvPicPr>
+            <p:cNvPr id="8" name="OTFLogo">
+              <a:extLst>
+                <a:ext uri="{FF2B5EF4-FFF2-40B4-BE49-F238E27FC236}">
+                  <a16:creationId xmlns:a16="http://schemas.microsoft.com/office/drawing/2014/main" id="{BAF11E55-D15D-475E-ACCB-FC75DDC0F4D4}"/>
+                </a:ext>
+              </a:extLst>
+            </p:cNvPr>
+            <p:cNvPicPr>
+              <a:picLocks noChangeAspect="1"/>
+            </p:cNvPicPr>
+            <p:nvPr/>
+          </p:nvPicPr>
+          <p:blipFill>
+            <a:blip r:embed="rId2"/>
+            <a:stretch>
+              <a:fillRect/>
+            </a:stretch>
+          </p:blipFill>
+          <p:spPr>
+            <a:xfrm>
+              <a:off x="3767260" y="50259"/>
+              <a:ext cx="228745" cy="285750"/>
+            </a:xfrm>
+            <a:prstGeom prst="rect">
+              <a:avLst/>
+            </a:prstGeom>
+          </p:spPr>
+        </p:pic>
+        <p:sp>
+          <p:nvSpPr>
+            <p:cNvPr id="9" name="BlockName">
+              <a:extLst>
+                <a:ext uri="{FF2B5EF4-FFF2-40B4-BE49-F238E27FC236}">
+                  <a16:creationId xmlns:a16="http://schemas.microsoft.com/office/drawing/2014/main" id="{36668F03-A98C-48F9-9B2E-CAAF2FF3AC6E}"/>
+                </a:ext>
+              </a:extLst>
+            </p:cNvPr>
+            <p:cNvSpPr txBox="1"/>
+            <p:nvPr/>
+          </p:nvSpPr>
+          <p:spPr>
+            <a:xfrm>
+              <a:off x="4392" y="0"/>
+              <a:ext cx="3759501" cy="461665"/>
+            </a:xfrm>
+            <a:prstGeom prst="rect">
+              <a:avLst/>
+            </a:prstGeom>
+            <a:noFill/>
+          </p:spPr>
+          <p:txBody>
+            <a:bodyPr rot="0" spcFirstLastPara="0" vertOverflow="overflow" horzOverflow="overflow" vert="horz" wrap="square" lIns="91440" tIns="45720" rIns="91440" bIns="45720" numCol="1" spcCol="0" rtlCol="0" fromWordArt="0" anchor="t" anchorCtr="0" forceAA="0" compatLnSpc="1">
+              <a:prstTxWarp prst="textNoShape">
+                <a:avLst/>
+              </a:prstTxWarp>
+              <a:spAutoFit/>
+            </a:bodyPr>
+            <a:lstStyle/>
+            <a:p>
+              <a:r>
+                <a:rPr lang="en-US" sz="2400" dirty="0">
+                  <a:ea typeface="+mn-lt"/>
+                  <a:cs typeface="+mn-lt"/>
+                </a:rPr>
+                <a:t>Block Name</a:t>
+              </a:r>
+              <a:endParaRPr lang="en-US" sz="2400">
+                <a:cs typeface="Calibri"/>
+              </a:endParaRPr>
+            </a:p>
+          </p:txBody>
+        </p:sp>
+        <p:sp>
+          <p:nvSpPr>
+            <p:cNvPr id="10" name="BlockDuration">
+              <a:extLst>
+                <a:ext uri="{FF2B5EF4-FFF2-40B4-BE49-F238E27FC236}">
+                  <a16:creationId xmlns:a16="http://schemas.microsoft.com/office/drawing/2014/main" id="{2B3F3B5C-4712-4F58-8B0F-22193766B863}"/>
+                </a:ext>
+              </a:extLst>
+            </p:cNvPr>
+            <p:cNvSpPr txBox="1"/>
+            <p:nvPr/>
+          </p:nvSpPr>
+          <p:spPr>
+            <a:xfrm>
+              <a:off x="3996005" y="0"/>
+              <a:ext cx="3772726" cy="461665"/>
+            </a:xfrm>
+            <a:prstGeom prst="rect">
+              <a:avLst/>
+            </a:prstGeom>
+            <a:noFill/>
+          </p:spPr>
+          <p:txBody>
+            <a:bodyPr rot="0" spcFirstLastPara="0" vertOverflow="overflow" horzOverflow="overflow" vert="horz" wrap="square" lIns="91440" tIns="45720" rIns="91440" bIns="45720" numCol="1" spcCol="0" rtlCol="0" fromWordArt="0" anchor="t" anchorCtr="0" forceAA="0" compatLnSpc="1">
+              <a:prstTxWarp prst="textNoShape">
+                <a:avLst/>
+              </a:prstTxWarp>
+              <a:spAutoFit/>
+            </a:bodyPr>
+            <a:lstStyle/>
+            <a:p>
+              <a:pPr algn="r"/>
+              <a:r>
+                <a:rPr lang="en-US" sz="2400" dirty="0">
+                  <a:ea typeface="+mn-lt"/>
+                  <a:cs typeface="+mn-lt"/>
+                </a:rPr>
+                <a:t>00:00</a:t>
+              </a:r>
+              <a:endParaRPr lang="en-US" dirty="0"/>
+            </a:p>
+          </p:txBody>
+        </p:sp>
+      </p:grpSp>
+      <p:grpSp>
+        <p:nvGrpSpPr>
+          <p:cNvPr id="2" name="ExerciseVVA"/>
+          <p:cNvGrpSpPr/>
+          <p:nvPr/>
+        </p:nvGrpSpPr>
+        <p:grpSpPr>
           <a:xfrm>
-            <a:off x="2200451" y="404609"/>
-            <a:ext cx="1861056" cy="1861056"/>
+            <a:off x="2955267" y="941175"/>
+            <a:ext cx="1859697" cy="2690614"/>
+            <a:chOff x="2955267" y="941175"/>
+            <a:chExt cx="1859697" cy="2690614"/>
           </a:xfrm>
-          <a:prstGeom prst="rect">
-            <a:avLst/>
-          </a:prstGeom>
-        </p:spPr>
-      </p:pic>
+        </p:grpSpPr>
+        <p:sp>
+          <p:nvSpPr>
+            <p:cNvPr id="14" name="ExerciseRec">
+              <a:extLst>
+                <a:ext uri="{FF2B5EF4-FFF2-40B4-BE49-F238E27FC236}">
+                  <a16:creationId xmlns:a16="http://schemas.microsoft.com/office/drawing/2014/main" id="{E4849660-1ECB-4DF1-9020-621A1B593C2F}"/>
+                </a:ext>
+              </a:extLst>
+            </p:cNvPr>
+            <p:cNvSpPr/>
+            <p:nvPr/>
+          </p:nvSpPr>
+          <p:spPr>
+            <a:xfrm>
+              <a:off x="2959450" y="941965"/>
+              <a:ext cx="1854678" cy="2689824"/>
+            </a:xfrm>
+            <a:prstGeom prst="rect">
+              <a:avLst/>
+            </a:prstGeom>
+            <a:solidFill>
+              <a:schemeClr val="bg1"/>
+            </a:solidFill>
+            <a:ln>
+              <a:noFill/>
+            </a:ln>
+          </p:spPr>
+          <p:style>
+            <a:lnRef idx="2">
+              <a:schemeClr val="accent1">
+                <a:shade val="50000"/>
+              </a:schemeClr>
+            </a:lnRef>
+            <a:fillRef idx="1">
+              <a:schemeClr val="accent1"/>
+            </a:fillRef>
+            <a:effectRef idx="0">
+              <a:schemeClr val="accent1"/>
+            </a:effectRef>
+            <a:fontRef idx="minor">
+              <a:schemeClr val="lt1"/>
+            </a:fontRef>
+          </p:style>
+          <p:txBody>
+            <a:bodyPr rtlCol="0" anchor="ctr"/>
+            <a:lstStyle/>
+            <a:p>
+              <a:pPr algn="ctr"/>
+              <a:endParaRPr lang="en-US"/>
+            </a:p>
+          </p:txBody>
+        </p:sp>
+        <p:sp>
+          <p:nvSpPr>
+            <p:cNvPr id="15" name="ExerciseName">
+              <a:extLst>
+                <a:ext uri="{FF2B5EF4-FFF2-40B4-BE49-F238E27FC236}">
+                  <a16:creationId xmlns:a16="http://schemas.microsoft.com/office/drawing/2014/main" id="{DCB65578-90BF-4A72-B76C-3AA7F2B5BC47}"/>
+                </a:ext>
+              </a:extLst>
+            </p:cNvPr>
+            <p:cNvSpPr txBox="1"/>
+            <p:nvPr/>
+          </p:nvSpPr>
+          <p:spPr>
+            <a:xfrm>
+              <a:off x="2957227" y="941175"/>
+              <a:ext cx="1857737" cy="369332"/>
+            </a:xfrm>
+            <a:prstGeom prst="rect">
+              <a:avLst/>
+            </a:prstGeom>
+            <a:noFill/>
+          </p:spPr>
+          <p:txBody>
+            <a:bodyPr rot="0" spcFirstLastPara="0" vertOverflow="overflow" horzOverflow="overflow" vert="horz" wrap="square" lIns="91440" tIns="45720" rIns="91440" bIns="45720" numCol="1" spcCol="0" rtlCol="0" fromWordArt="0" anchor="t" anchorCtr="0" forceAA="0" compatLnSpc="1">
+              <a:prstTxWarp prst="textNoShape">
+                <a:avLst/>
+              </a:prstTxWarp>
+              <a:spAutoFit/>
+            </a:bodyPr>
+            <a:lstStyle/>
+            <a:p>
+              <a:pPr algn="ctr"/>
+              <a:r>
+                <a:rPr lang="en-US" dirty="0">
+                  <a:ea typeface="+mn-lt"/>
+                  <a:cs typeface="+mn-lt"/>
+                </a:rPr>
+                <a:t>Exercise Name</a:t>
+              </a:r>
+              <a:endParaRPr lang="en-US" dirty="0"/>
+            </a:p>
+          </p:txBody>
+        </p:sp>
+        <p:sp>
+          <p:nvSpPr>
+            <p:cNvPr id="16" name="ExercisePrescription">
+              <a:extLst>
+                <a:ext uri="{FF2B5EF4-FFF2-40B4-BE49-F238E27FC236}">
+                  <a16:creationId xmlns:a16="http://schemas.microsoft.com/office/drawing/2014/main" id="{82570C7D-FA8B-47E2-B1F7-9F219F94AC2D}"/>
+                </a:ext>
+              </a:extLst>
+            </p:cNvPr>
+            <p:cNvSpPr txBox="1"/>
+            <p:nvPr/>
+          </p:nvSpPr>
+          <p:spPr>
+            <a:xfrm>
+              <a:off x="2955267" y="3258778"/>
+              <a:ext cx="1857737" cy="369332"/>
+            </a:xfrm>
+            <a:prstGeom prst="rect">
+              <a:avLst/>
+            </a:prstGeom>
+            <a:noFill/>
+          </p:spPr>
+          <p:txBody>
+            <a:bodyPr rot="0" spcFirstLastPara="0" vertOverflow="overflow" horzOverflow="overflow" vert="horz" wrap="square" lIns="91440" tIns="45720" rIns="91440" bIns="45720" numCol="1" spcCol="0" rtlCol="0" fromWordArt="0" anchor="t" anchorCtr="0" forceAA="0" compatLnSpc="1">
+              <a:prstTxWarp prst="textNoShape">
+                <a:avLst/>
+              </a:prstTxWarp>
+              <a:spAutoFit/>
+            </a:bodyPr>
+            <a:lstStyle/>
+            <a:p>
+              <a:pPr algn="ctr"/>
+              <a:r>
+                <a:rPr lang="en-US" i="1" dirty="0">
+                  <a:solidFill>
+                    <a:srgbClr val="ED7D31"/>
+                  </a:solidFill>
+                  <a:ea typeface="+mn-lt"/>
+                  <a:cs typeface="+mn-lt"/>
+                </a:rPr>
+                <a:t>300m JUST ONCE</a:t>
+              </a:r>
+              <a:endParaRPr lang="en-US" i="1">
+                <a:solidFill>
+                  <a:srgbClr val="ED7D31"/>
+                </a:solidFill>
+                <a:cs typeface="Calibri"/>
+              </a:endParaRPr>
+            </a:p>
+          </p:txBody>
+        </p:sp>
+      </p:grpSp>
     </p:spTree>
     <p:extLst>
       <p:ext uri="{BB962C8B-B14F-4D97-AF65-F5344CB8AC3E}">
@@ -3586,123 +3867,233 @@
   <p:clrMapOvr>
     <a:masterClrMapping/>
   </p:clrMapOvr>
-  <mc:AlternateContent xmlns:mc="http://schemas.openxmlformats.org/markup-compatibility/2006">
-    <mc:Choice xmlns:p14="http://schemas.microsoft.com/office/powerpoint/2010/main" Requires="p14">
-      <p:transition spd="slow" p14:dur="2000" advClick="0"/>
-    </mc:Choice>
-    <mc:Fallback>
-      <p:transition spd="slow" advClick="0"/>
-    </mc:Fallback>
-  </mc:AlternateContent>
-  <p:timing>
-    <p:tnLst>
-      <p:par>
-        <p:cTn id="1" dur="indefinite" restart="never" nodeType="tmRoot">
-          <p:childTnLst>
-            <p:seq concurrent="1" nextAc="seek">
-              <p:cTn id="2" dur="indefinite" nodeType="mainSeq">
-                <p:childTnLst>
-                  <p:par>
-                    <p:cTn id="3" fill="hold">
-                      <p:stCondLst>
-                        <p:cond delay="indefinite"/>
-                        <p:cond evt="onBegin" delay="0">
-                          <p:tn val="2"/>
-                        </p:cond>
-                      </p:stCondLst>
-                      <p:childTnLst>
-                        <p:par>
-                          <p:cTn id="4" fill="hold">
-                            <p:stCondLst>
-                              <p:cond delay="0"/>
-                            </p:stCondLst>
-                            <p:childTnLst>
-                              <p:par>
-                                <p:cTn id="5" presetID="1" presetClass="mediacall" presetSubtype="0" fill="hold" nodeType="withEffect">
-                                  <p:stCondLst>
-                                    <p:cond delay="0"/>
-                                  </p:stCondLst>
-                                  <p:childTnLst>
-                                    <p:cmd type="call" cmd="playFrom(0.0)">
-                                      <p:cBhvr>
-                                        <p:cTn id="6" dur="3795" fill="hold"/>
-                                        <p:tgtEl>
-                                          <p:spTgt spid="2"/>
-                                        </p:tgtEl>
-                                      </p:cBhvr>
-                                    </p:cmd>
-                                  </p:childTnLst>
-                                </p:cTn>
-                              </p:par>
-                              <p:par>
-                                <p:cTn id="7" presetID="1" presetClass="mediacall" presetSubtype="0" fill="hold" nodeType="withEffect">
-                                  <p:stCondLst>
-                                    <p:cond delay="0"/>
-                                  </p:stCondLst>
-                                  <p:childTnLst>
-                                    <p:cmd type="call" cmd="playFrom(0.0)">
-                                      <p:cBhvr>
-                                        <p:cTn id="8" dur="3795" fill="hold"/>
-                                        <p:tgtEl>
-                                          <p:spTgt spid="6"/>
-                                        </p:tgtEl>
-                                      </p:cBhvr>
-                                    </p:cmd>
-                                  </p:childTnLst>
-                                </p:cTn>
-                              </p:par>
-                            </p:childTnLst>
-                          </p:cTn>
-                        </p:par>
-                      </p:childTnLst>
-                    </p:cTn>
-                  </p:par>
-                </p:childTnLst>
-              </p:cTn>
-              <p:prevCondLst>
-                <p:cond evt="onPrev" delay="0">
-                  <p:tgtEl>
-                    <p:sldTgt/>
-                  </p:tgtEl>
-                </p:cond>
-              </p:prevCondLst>
-              <p:nextCondLst>
-                <p:cond evt="onNext" delay="0">
-                  <p:tgtEl>
-                    <p:sldTgt/>
-                  </p:tgtEl>
-                </p:cond>
-              </p:nextCondLst>
-            </p:seq>
-            <p:video>
-              <p:cMediaNode vol="80000">
-                <p:cTn id="9" repeatCount="indefinite" fill="hold" display="0">
-                  <p:stCondLst>
-                    <p:cond delay="indefinite"/>
-                  </p:stCondLst>
-                </p:cTn>
-                <p:tgtEl>
-                  <p:spTgt spid="2"/>
-                </p:tgtEl>
-              </p:cMediaNode>
-            </p:video>
-            <p:video>
-              <p:cMediaNode vol="80000">
-                <p:cTn id="10" repeatCount="indefinite" fill="hold" display="0">
-                  <p:stCondLst>
-                    <p:cond delay="indefinite"/>
-                  </p:stCondLst>
-                </p:cTn>
-                <p:tgtEl>
-                  <p:spTgt spid="6"/>
-                </p:tgtEl>
-              </p:cMediaNode>
-            </p:video>
-          </p:childTnLst>
-        </p:cTn>
-      </p:par>
-    </p:tnLst>
-  </p:timing>
+</p:sld>
+</file>
+
+<file path=ppt/slides/slide2.xml><?xml version="1.0" encoding="utf-8"?>
+<p:sld xmlns:a="http://schemas.openxmlformats.org/drawingml/2006/main" xmlns:r="http://schemas.openxmlformats.org/officeDocument/2006/relationships" xmlns:p="http://schemas.openxmlformats.org/presentationml/2006/main">
+  <p:cSld>
+    <p:bg>
+      <p:bgPr>
+        <a:solidFill>
+          <a:srgbClr val="2A2835"/>
+        </a:solidFill>
+        <a:effectLst/>
+      </p:bgPr>
+    </p:bg>
+    <p:spTree>
+      <p:nvGrpSpPr>
+        <p:cNvPr id="1" name=""/>
+        <p:cNvGrpSpPr/>
+        <p:nvPr/>
+      </p:nvGrpSpPr>
+      <p:grpSpPr>
+        <a:xfrm>
+          <a:off x="0" y="0"/>
+          <a:ext cx="0" cy="0"/>
+          <a:chOff x="0" y="0"/>
+          <a:chExt cx="0" cy="0"/>
+        </a:xfrm>
+      </p:grpSpPr>
+      <p:grpSp>
+        <p:nvGrpSpPr>
+          <p:cNvPr id="3" name="BlockInfo"/>
+          <p:cNvGrpSpPr/>
+          <p:nvPr/>
+        </p:nvGrpSpPr>
+        <p:grpSpPr>
+          <a:xfrm>
+            <a:off x="0" y="0"/>
+            <a:ext cx="7772098" cy="461665"/>
+            <a:chOff x="0" y="0"/>
+            <a:chExt cx="7772098" cy="461665"/>
+          </a:xfrm>
+        </p:grpSpPr>
+        <p:sp>
+          <p:nvSpPr>
+            <p:cNvPr id="4" name="TopWhiteRec">
+              <a:extLst>
+                <a:ext uri="{FF2B5EF4-FFF2-40B4-BE49-F238E27FC236}">
+                  <a16:creationId xmlns:a16="http://schemas.microsoft.com/office/drawing/2014/main" id="{63C19952-6783-4C90-83E0-33389700A76E}"/>
+                </a:ext>
+              </a:extLst>
+            </p:cNvPr>
+            <p:cNvSpPr/>
+            <p:nvPr/>
+          </p:nvSpPr>
+          <p:spPr>
+            <a:xfrm>
+              <a:off x="0" y="0"/>
+              <a:ext cx="7772098" cy="389088"/>
+            </a:xfrm>
+            <a:prstGeom prst="rect">
+              <a:avLst/>
+            </a:prstGeom>
+            <a:solidFill>
+              <a:schemeClr val="bg1"/>
+            </a:solidFill>
+            <a:ln>
+              <a:noFill/>
+            </a:ln>
+          </p:spPr>
+          <p:style>
+            <a:lnRef idx="2">
+              <a:schemeClr val="accent1">
+                <a:shade val="50000"/>
+              </a:schemeClr>
+            </a:lnRef>
+            <a:fillRef idx="1">
+              <a:schemeClr val="accent1"/>
+            </a:fillRef>
+            <a:effectRef idx="0">
+              <a:schemeClr val="accent1"/>
+            </a:effectRef>
+            <a:fontRef idx="minor">
+              <a:schemeClr val="lt1"/>
+            </a:fontRef>
+          </p:style>
+          <p:txBody>
+            <a:bodyPr rot="0" spcFirstLastPara="0" vertOverflow="overflow" horzOverflow="overflow" vert="horz" wrap="square" lIns="91440" tIns="45720" rIns="91440" bIns="45720" numCol="1" spcCol="0" rtlCol="0" fromWordArt="0" anchor="t" anchorCtr="0" forceAA="0" compatLnSpc="1">
+              <a:prstTxWarp prst="textNoShape">
+                <a:avLst/>
+              </a:prstTxWarp>
+              <a:noAutofit/>
+            </a:bodyPr>
+            <a:lstStyle/>
+            <a:p>
+              <a:pPr algn="ctr"/>
+              <a:endParaRPr lang="en-US"/>
+            </a:p>
+          </p:txBody>
+        </p:sp>
+        <p:pic>
+          <p:nvPicPr>
+            <p:cNvPr id="8" name="OTFLogo">
+              <a:extLst>
+                <a:ext uri="{FF2B5EF4-FFF2-40B4-BE49-F238E27FC236}">
+                  <a16:creationId xmlns:a16="http://schemas.microsoft.com/office/drawing/2014/main" id="{BAF11E55-D15D-475E-ACCB-FC75DDC0F4D4}"/>
+                </a:ext>
+              </a:extLst>
+            </p:cNvPr>
+            <p:cNvPicPr>
+              <a:picLocks noChangeAspect="1"/>
+            </p:cNvPicPr>
+            <p:nvPr/>
+          </p:nvPicPr>
+          <p:blipFill>
+            <a:blip r:embed="rId2"/>
+            <a:stretch>
+              <a:fillRect/>
+            </a:stretch>
+          </p:blipFill>
+          <p:spPr>
+            <a:xfrm>
+              <a:off x="3767260" y="50259"/>
+              <a:ext cx="228745" cy="285750"/>
+            </a:xfrm>
+            <a:prstGeom prst="rect">
+              <a:avLst/>
+            </a:prstGeom>
+          </p:spPr>
+        </p:pic>
+        <p:sp>
+          <p:nvSpPr>
+            <p:cNvPr id="9" name="BlockName">
+              <a:extLst>
+                <a:ext uri="{FF2B5EF4-FFF2-40B4-BE49-F238E27FC236}">
+                  <a16:creationId xmlns:a16="http://schemas.microsoft.com/office/drawing/2014/main" id="{36668F03-A98C-48F9-9B2E-CAAF2FF3AC6E}"/>
+                </a:ext>
+              </a:extLst>
+            </p:cNvPr>
+            <p:cNvSpPr txBox="1"/>
+            <p:nvPr/>
+          </p:nvSpPr>
+          <p:spPr>
+            <a:xfrm>
+              <a:off x="4392" y="0"/>
+              <a:ext cx="3759501" cy="461665"/>
+            </a:xfrm>
+            <a:prstGeom prst="rect">
+              <a:avLst/>
+            </a:prstGeom>
+            <a:noFill/>
+          </p:spPr>
+          <p:txBody>
+            <a:bodyPr rot="0" spcFirstLastPara="0" vertOverflow="overflow" horzOverflow="overflow" vert="horz" wrap="square" lIns="91440" tIns="45720" rIns="91440" bIns="45720" numCol="1" spcCol="0" rtlCol="0" fromWordArt="0" anchor="t" anchorCtr="0" forceAA="0" compatLnSpc="1">
+              <a:prstTxWarp prst="textNoShape">
+                <a:avLst/>
+              </a:prstTxWarp>
+              <a:spAutoFit/>
+            </a:bodyPr>
+            <a:lstStyle/>
+            <a:p>
+              <a:r>
+                <a:rPr lang="en-US" sz="2400" dirty="0">
+                  <a:ea typeface="+mn-lt"/>
+                  <a:cs typeface="+mn-lt"/>
+                </a:rPr>
+                <a:t>Block Name</a:t>
+              </a:r>
+              <a:endParaRPr lang="en-US" sz="2400">
+                <a:cs typeface="Calibri"/>
+              </a:endParaRPr>
+            </a:p>
+          </p:txBody>
+        </p:sp>
+        <p:sp>
+          <p:nvSpPr>
+            <p:cNvPr id="10" name="BlockDuration">
+              <a:extLst>
+                <a:ext uri="{FF2B5EF4-FFF2-40B4-BE49-F238E27FC236}">
+                  <a16:creationId xmlns:a16="http://schemas.microsoft.com/office/drawing/2014/main" id="{2B3F3B5C-4712-4F58-8B0F-22193766B863}"/>
+                </a:ext>
+              </a:extLst>
+            </p:cNvPr>
+            <p:cNvSpPr txBox="1"/>
+            <p:nvPr/>
+          </p:nvSpPr>
+          <p:spPr>
+            <a:xfrm>
+              <a:off x="3996005" y="0"/>
+              <a:ext cx="3772726" cy="461665"/>
+            </a:xfrm>
+            <a:prstGeom prst="rect">
+              <a:avLst/>
+            </a:prstGeom>
+            <a:noFill/>
+          </p:spPr>
+          <p:txBody>
+            <a:bodyPr rot="0" spcFirstLastPara="0" vertOverflow="overflow" horzOverflow="overflow" vert="horz" wrap="square" lIns="91440" tIns="45720" rIns="91440" bIns="45720" numCol="1" spcCol="0" rtlCol="0" fromWordArt="0" anchor="t" anchorCtr="0" forceAA="0" compatLnSpc="1">
+              <a:prstTxWarp prst="textNoShape">
+                <a:avLst/>
+              </a:prstTxWarp>
+              <a:spAutoFit/>
+            </a:bodyPr>
+            <a:lstStyle/>
+            <a:p>
+              <a:pPr algn="r"/>
+              <a:r>
+                <a:rPr lang="en-US" sz="2400" dirty="0">
+                  <a:ea typeface="+mn-lt"/>
+                  <a:cs typeface="+mn-lt"/>
+                </a:rPr>
+                <a:t>00:00</a:t>
+              </a:r>
+              <a:endParaRPr lang="en-US" dirty="0"/>
+            </a:p>
+          </p:txBody>
+        </p:sp>
+      </p:grpSp>
+    </p:spTree>
+    <p:extLst>
+      <p:ext uri="{BB962C8B-B14F-4D97-AF65-F5344CB8AC3E}">
+        <p14:creationId xmlns:p14="http://schemas.microsoft.com/office/powerpoint/2010/main" val="4183165552"/>
+      </p:ext>
+    </p:extLst>
+  </p:cSld>
+  <p:clrMapOvr>
+    <a:masterClrMapping/>
+  </p:clrMapOvr>
 </p:sld>
 </file>
 

--- a/OT.VVAExport/Examples/Inputs/VVASample.pptx
+++ b/OT.VVAExport/Examples/Inputs/VVASample.pptx
@@ -6,7 +6,6 @@
   </p:sldMasterIdLst>
   <p:sldIdLst>
     <p:sldId id="256" r:id="rId2"/>
-    <p:sldId id="257" r:id="rId3"/>
   </p:sldIdLst>
   <p:sldSz cx="7772400" cy="4572000"/>
   <p:notesSz cx="6858000" cy="9144000"/>
@@ -3574,7 +3573,9 @@
             <a:lstStyle/>
             <a:p>
               <a:pPr algn="ctr"/>
-              <a:endParaRPr lang="en-US"/>
+              <a:endParaRPr lang="en-US">
+                <a:latin typeface="Klavika Condensed"/>
+              </a:endParaRPr>
             </a:p>
           </p:txBody>
         </p:sp>
@@ -3641,12 +3642,14 @@
             <a:p>
               <a:r>
                 <a:rPr lang="en-US" sz="2400" dirty="0">
+                  <a:latin typeface="Klavika Condensed"/>
                   <a:ea typeface="+mn-lt"/>
                   <a:cs typeface="+mn-lt"/>
                 </a:rPr>
                 <a:t>Block Name</a:t>
               </a:r>
-              <a:endParaRPr lang="en-US" sz="2400">
+              <a:endParaRPr lang="en-US" sz="2400" dirty="0">
+                <a:latin typeface="Klavika Condensed"/>
                 <a:cs typeface="Calibri"/>
               </a:endParaRPr>
             </a:p>
@@ -3686,12 +3689,15 @@
               <a:pPr algn="r"/>
               <a:r>
                 <a:rPr lang="en-US" sz="2400" dirty="0">
+                  <a:latin typeface="Klavika Condensed"/>
                   <a:ea typeface="+mn-lt"/>
                   <a:cs typeface="+mn-lt"/>
                 </a:rPr>
                 <a:t>00:00</a:t>
               </a:r>
-              <a:endParaRPr lang="en-US" dirty="0"/>
+              <a:endParaRPr lang="en-US" dirty="0">
+                <a:latin typeface="Klavika Condensed"/>
+              </a:endParaRPr>
             </a:p>
           </p:txBody>
         </p:sp>
@@ -3758,7 +3764,9 @@
             <a:lstStyle/>
             <a:p>
               <a:pPr algn="ctr"/>
-              <a:endParaRPr lang="en-US"/>
+              <a:endParaRPr lang="en-US">
+                <a:latin typeface="Klavika Condensed"/>
+              </a:endParaRPr>
             </a:p>
           </p:txBody>
         </p:sp>
@@ -3796,12 +3804,15 @@
               <a:pPr algn="ctr"/>
               <a:r>
                 <a:rPr lang="en-US" dirty="0">
+                  <a:latin typeface="Klavika Condensed"/>
                   <a:ea typeface="+mn-lt"/>
                   <a:cs typeface="+mn-lt"/>
                 </a:rPr>
                 <a:t>Exercise Name</a:t>
               </a:r>
-              <a:endParaRPr lang="en-US" dirty="0"/>
+              <a:endParaRPr lang="en-US" dirty="0">
+                <a:latin typeface="Klavika Condensed"/>
+              </a:endParaRPr>
             </a:p>
           </p:txBody>
         </p:sp>
@@ -3842,15 +3853,17 @@
                   <a:solidFill>
                     <a:srgbClr val="ED7D31"/>
                   </a:solidFill>
+                  <a:latin typeface="Klavika Condensed"/>
                   <a:ea typeface="+mn-lt"/>
                   <a:cs typeface="+mn-lt"/>
                 </a:rPr>
                 <a:t>300m JUST ONCE</a:t>
               </a:r>
-              <a:endParaRPr lang="en-US" i="1">
+              <a:endParaRPr lang="en-US" i="1" dirty="0">
                 <a:solidFill>
                   <a:srgbClr val="ED7D31"/>
                 </a:solidFill>
+                <a:latin typeface="Klavika Condensed"/>
                 <a:cs typeface="Calibri"/>
               </a:endParaRPr>
             </a:p>
@@ -3861,233 +3874,6 @@
     <p:extLst>
       <p:ext uri="{BB962C8B-B14F-4D97-AF65-F5344CB8AC3E}">
         <p14:creationId xmlns:p14="http://schemas.microsoft.com/office/powerpoint/2010/main" val="109857222"/>
-      </p:ext>
-    </p:extLst>
-  </p:cSld>
-  <p:clrMapOvr>
-    <a:masterClrMapping/>
-  </p:clrMapOvr>
-</p:sld>
-</file>
-
-<file path=ppt/slides/slide2.xml><?xml version="1.0" encoding="utf-8"?>
-<p:sld xmlns:a="http://schemas.openxmlformats.org/drawingml/2006/main" xmlns:r="http://schemas.openxmlformats.org/officeDocument/2006/relationships" xmlns:p="http://schemas.openxmlformats.org/presentationml/2006/main">
-  <p:cSld>
-    <p:bg>
-      <p:bgPr>
-        <a:solidFill>
-          <a:srgbClr val="2A2835"/>
-        </a:solidFill>
-        <a:effectLst/>
-      </p:bgPr>
-    </p:bg>
-    <p:spTree>
-      <p:nvGrpSpPr>
-        <p:cNvPr id="1" name=""/>
-        <p:cNvGrpSpPr/>
-        <p:nvPr/>
-      </p:nvGrpSpPr>
-      <p:grpSpPr>
-        <a:xfrm>
-          <a:off x="0" y="0"/>
-          <a:ext cx="0" cy="0"/>
-          <a:chOff x="0" y="0"/>
-          <a:chExt cx="0" cy="0"/>
-        </a:xfrm>
-      </p:grpSpPr>
-      <p:grpSp>
-        <p:nvGrpSpPr>
-          <p:cNvPr id="3" name="BlockInfo"/>
-          <p:cNvGrpSpPr/>
-          <p:nvPr/>
-        </p:nvGrpSpPr>
-        <p:grpSpPr>
-          <a:xfrm>
-            <a:off x="0" y="0"/>
-            <a:ext cx="7772098" cy="461665"/>
-            <a:chOff x="0" y="0"/>
-            <a:chExt cx="7772098" cy="461665"/>
-          </a:xfrm>
-        </p:grpSpPr>
-        <p:sp>
-          <p:nvSpPr>
-            <p:cNvPr id="4" name="TopWhiteRec">
-              <a:extLst>
-                <a:ext uri="{FF2B5EF4-FFF2-40B4-BE49-F238E27FC236}">
-                  <a16:creationId xmlns:a16="http://schemas.microsoft.com/office/drawing/2014/main" id="{63C19952-6783-4C90-83E0-33389700A76E}"/>
-                </a:ext>
-              </a:extLst>
-            </p:cNvPr>
-            <p:cNvSpPr/>
-            <p:nvPr/>
-          </p:nvSpPr>
-          <p:spPr>
-            <a:xfrm>
-              <a:off x="0" y="0"/>
-              <a:ext cx="7772098" cy="389088"/>
-            </a:xfrm>
-            <a:prstGeom prst="rect">
-              <a:avLst/>
-            </a:prstGeom>
-            <a:solidFill>
-              <a:schemeClr val="bg1"/>
-            </a:solidFill>
-            <a:ln>
-              <a:noFill/>
-            </a:ln>
-          </p:spPr>
-          <p:style>
-            <a:lnRef idx="2">
-              <a:schemeClr val="accent1">
-                <a:shade val="50000"/>
-              </a:schemeClr>
-            </a:lnRef>
-            <a:fillRef idx="1">
-              <a:schemeClr val="accent1"/>
-            </a:fillRef>
-            <a:effectRef idx="0">
-              <a:schemeClr val="accent1"/>
-            </a:effectRef>
-            <a:fontRef idx="minor">
-              <a:schemeClr val="lt1"/>
-            </a:fontRef>
-          </p:style>
-          <p:txBody>
-            <a:bodyPr rot="0" spcFirstLastPara="0" vertOverflow="overflow" horzOverflow="overflow" vert="horz" wrap="square" lIns="91440" tIns="45720" rIns="91440" bIns="45720" numCol="1" spcCol="0" rtlCol="0" fromWordArt="0" anchor="t" anchorCtr="0" forceAA="0" compatLnSpc="1">
-              <a:prstTxWarp prst="textNoShape">
-                <a:avLst/>
-              </a:prstTxWarp>
-              <a:noAutofit/>
-            </a:bodyPr>
-            <a:lstStyle/>
-            <a:p>
-              <a:pPr algn="ctr"/>
-              <a:endParaRPr lang="en-US"/>
-            </a:p>
-          </p:txBody>
-        </p:sp>
-        <p:pic>
-          <p:nvPicPr>
-            <p:cNvPr id="8" name="OTFLogo">
-              <a:extLst>
-                <a:ext uri="{FF2B5EF4-FFF2-40B4-BE49-F238E27FC236}">
-                  <a16:creationId xmlns:a16="http://schemas.microsoft.com/office/drawing/2014/main" id="{BAF11E55-D15D-475E-ACCB-FC75DDC0F4D4}"/>
-                </a:ext>
-              </a:extLst>
-            </p:cNvPr>
-            <p:cNvPicPr>
-              <a:picLocks noChangeAspect="1"/>
-            </p:cNvPicPr>
-            <p:nvPr/>
-          </p:nvPicPr>
-          <p:blipFill>
-            <a:blip r:embed="rId2"/>
-            <a:stretch>
-              <a:fillRect/>
-            </a:stretch>
-          </p:blipFill>
-          <p:spPr>
-            <a:xfrm>
-              <a:off x="3767260" y="50259"/>
-              <a:ext cx="228745" cy="285750"/>
-            </a:xfrm>
-            <a:prstGeom prst="rect">
-              <a:avLst/>
-            </a:prstGeom>
-          </p:spPr>
-        </p:pic>
-        <p:sp>
-          <p:nvSpPr>
-            <p:cNvPr id="9" name="BlockName">
-              <a:extLst>
-                <a:ext uri="{FF2B5EF4-FFF2-40B4-BE49-F238E27FC236}">
-                  <a16:creationId xmlns:a16="http://schemas.microsoft.com/office/drawing/2014/main" id="{36668F03-A98C-48F9-9B2E-CAAF2FF3AC6E}"/>
-                </a:ext>
-              </a:extLst>
-            </p:cNvPr>
-            <p:cNvSpPr txBox="1"/>
-            <p:nvPr/>
-          </p:nvSpPr>
-          <p:spPr>
-            <a:xfrm>
-              <a:off x="4392" y="0"/>
-              <a:ext cx="3759501" cy="461665"/>
-            </a:xfrm>
-            <a:prstGeom prst="rect">
-              <a:avLst/>
-            </a:prstGeom>
-            <a:noFill/>
-          </p:spPr>
-          <p:txBody>
-            <a:bodyPr rot="0" spcFirstLastPara="0" vertOverflow="overflow" horzOverflow="overflow" vert="horz" wrap="square" lIns="91440" tIns="45720" rIns="91440" bIns="45720" numCol="1" spcCol="0" rtlCol="0" fromWordArt="0" anchor="t" anchorCtr="0" forceAA="0" compatLnSpc="1">
-              <a:prstTxWarp prst="textNoShape">
-                <a:avLst/>
-              </a:prstTxWarp>
-              <a:spAutoFit/>
-            </a:bodyPr>
-            <a:lstStyle/>
-            <a:p>
-              <a:r>
-                <a:rPr lang="en-US" sz="2400" dirty="0">
-                  <a:ea typeface="+mn-lt"/>
-                  <a:cs typeface="+mn-lt"/>
-                </a:rPr>
-                <a:t>Block Name</a:t>
-              </a:r>
-              <a:endParaRPr lang="en-US" sz="2400">
-                <a:cs typeface="Calibri"/>
-              </a:endParaRPr>
-            </a:p>
-          </p:txBody>
-        </p:sp>
-        <p:sp>
-          <p:nvSpPr>
-            <p:cNvPr id="10" name="BlockDuration">
-              <a:extLst>
-                <a:ext uri="{FF2B5EF4-FFF2-40B4-BE49-F238E27FC236}">
-                  <a16:creationId xmlns:a16="http://schemas.microsoft.com/office/drawing/2014/main" id="{2B3F3B5C-4712-4F58-8B0F-22193766B863}"/>
-                </a:ext>
-              </a:extLst>
-            </p:cNvPr>
-            <p:cNvSpPr txBox="1"/>
-            <p:nvPr/>
-          </p:nvSpPr>
-          <p:spPr>
-            <a:xfrm>
-              <a:off x="3996005" y="0"/>
-              <a:ext cx="3772726" cy="461665"/>
-            </a:xfrm>
-            <a:prstGeom prst="rect">
-              <a:avLst/>
-            </a:prstGeom>
-            <a:noFill/>
-          </p:spPr>
-          <p:txBody>
-            <a:bodyPr rot="0" spcFirstLastPara="0" vertOverflow="overflow" horzOverflow="overflow" vert="horz" wrap="square" lIns="91440" tIns="45720" rIns="91440" bIns="45720" numCol="1" spcCol="0" rtlCol="0" fromWordArt="0" anchor="t" anchorCtr="0" forceAA="0" compatLnSpc="1">
-              <a:prstTxWarp prst="textNoShape">
-                <a:avLst/>
-              </a:prstTxWarp>
-              <a:spAutoFit/>
-            </a:bodyPr>
-            <a:lstStyle/>
-            <a:p>
-              <a:pPr algn="r"/>
-              <a:r>
-                <a:rPr lang="en-US" sz="2400" dirty="0">
-                  <a:ea typeface="+mn-lt"/>
-                  <a:cs typeface="+mn-lt"/>
-                </a:rPr>
-                <a:t>00:00</a:t>
-              </a:r>
-              <a:endParaRPr lang="en-US" dirty="0"/>
-            </a:p>
-          </p:txBody>
-        </p:sp>
-      </p:grpSp>
-    </p:spTree>
-    <p:extLst>
-      <p:ext uri="{BB962C8B-B14F-4D97-AF65-F5344CB8AC3E}">
-        <p14:creationId xmlns:p14="http://schemas.microsoft.com/office/powerpoint/2010/main" val="4183165552"/>
       </p:ext>
     </p:extLst>
   </p:cSld>
